--- a/otel teoria/Day 1 session 2.2 Backends.pptx
+++ b/otel teoria/Day 1 session 2.2 Backends.pptx
@@ -216,7 +216,7 @@
           <a:p>
             <a:fld id="{B6182559-CB5C-D240-A660-003CD22EEEA2}" type="datetimeFigureOut">
               <a:rPr lang="pl-PL" smtClean="0"/>
-              <a:t>1.10.2024</a:t>
+              <a:t>2.10.2024</a:t>
             </a:fld>
             <a:endParaRPr lang="pl-PL"/>
           </a:p>
@@ -663,7 +663,7 @@
           <a:p>
             <a:fld id="{5BCAD085-E8A6-8845-BD4E-CB4CCA059FC4}" type="datetimeFigureOut">
               <a:rPr lang="en-US" smtClean="0"/>
-              <a:t>10/1/24</a:t>
+              <a:t>10/2/24</a:t>
             </a:fld>
             <a:endParaRPr lang="en-US"/>
           </a:p>
@@ -831,7 +831,7 @@
           <a:p>
             <a:fld id="{5BCAD085-E8A6-8845-BD4E-CB4CCA059FC4}" type="datetimeFigureOut">
               <a:rPr lang="en-US" smtClean="0"/>
-              <a:t>10/1/24</a:t>
+              <a:t>10/2/24</a:t>
             </a:fld>
             <a:endParaRPr lang="en-US"/>
           </a:p>
@@ -1009,7 +1009,7 @@
           <a:p>
             <a:fld id="{5BCAD085-E8A6-8845-BD4E-CB4CCA059FC4}" type="datetimeFigureOut">
               <a:rPr lang="en-US" smtClean="0"/>
-              <a:t>10/1/24</a:t>
+              <a:t>10/2/24</a:t>
             </a:fld>
             <a:endParaRPr lang="en-US"/>
           </a:p>
@@ -1177,7 +1177,7 @@
           <a:p>
             <a:fld id="{5BCAD085-E8A6-8845-BD4E-CB4CCA059FC4}" type="datetimeFigureOut">
               <a:rPr lang="en-US" smtClean="0"/>
-              <a:t>10/1/24</a:t>
+              <a:t>10/2/24</a:t>
             </a:fld>
             <a:endParaRPr lang="en-US"/>
           </a:p>
@@ -1422,7 +1422,7 @@
           <a:p>
             <a:fld id="{5BCAD085-E8A6-8845-BD4E-CB4CCA059FC4}" type="datetimeFigureOut">
               <a:rPr lang="en-US" smtClean="0"/>
-              <a:t>10/1/24</a:t>
+              <a:t>10/2/24</a:t>
             </a:fld>
             <a:endParaRPr lang="en-US"/>
           </a:p>
@@ -1707,7 +1707,7 @@
           <a:p>
             <a:fld id="{5BCAD085-E8A6-8845-BD4E-CB4CCA059FC4}" type="datetimeFigureOut">
               <a:rPr lang="en-US" smtClean="0"/>
-              <a:t>10/1/24</a:t>
+              <a:t>10/2/24</a:t>
             </a:fld>
             <a:endParaRPr lang="en-US"/>
           </a:p>
@@ -2126,7 +2126,7 @@
           <a:p>
             <a:fld id="{5BCAD085-E8A6-8845-BD4E-CB4CCA059FC4}" type="datetimeFigureOut">
               <a:rPr lang="en-US" smtClean="0"/>
-              <a:t>10/1/24</a:t>
+              <a:t>10/2/24</a:t>
             </a:fld>
             <a:endParaRPr lang="en-US"/>
           </a:p>
@@ -2243,7 +2243,7 @@
           <a:p>
             <a:fld id="{5BCAD085-E8A6-8845-BD4E-CB4CCA059FC4}" type="datetimeFigureOut">
               <a:rPr lang="en-US" smtClean="0"/>
-              <a:t>10/1/24</a:t>
+              <a:t>10/2/24</a:t>
             </a:fld>
             <a:endParaRPr lang="en-US"/>
           </a:p>
@@ -2338,7 +2338,7 @@
           <a:p>
             <a:fld id="{5BCAD085-E8A6-8845-BD4E-CB4CCA059FC4}" type="datetimeFigureOut">
               <a:rPr lang="en-US" smtClean="0"/>
-              <a:t>10/1/24</a:t>
+              <a:t>10/2/24</a:t>
             </a:fld>
             <a:endParaRPr lang="en-US"/>
           </a:p>
@@ -2613,7 +2613,7 @@
           <a:p>
             <a:fld id="{5BCAD085-E8A6-8845-BD4E-CB4CCA059FC4}" type="datetimeFigureOut">
               <a:rPr lang="en-US" smtClean="0"/>
-              <a:t>10/1/24</a:t>
+              <a:t>10/2/24</a:t>
             </a:fld>
             <a:endParaRPr lang="en-US"/>
           </a:p>
@@ -2865,7 +2865,7 @@
           <a:p>
             <a:fld id="{5BCAD085-E8A6-8845-BD4E-CB4CCA059FC4}" type="datetimeFigureOut">
               <a:rPr lang="en-US" smtClean="0"/>
-              <a:t>10/1/24</a:t>
+              <a:t>10/2/24</a:t>
             </a:fld>
             <a:endParaRPr lang="en-US"/>
           </a:p>
@@ -3076,7 +3076,7 @@
           <a:p>
             <a:fld id="{5BCAD085-E8A6-8845-BD4E-CB4CCA059FC4}" type="datetimeFigureOut">
               <a:rPr lang="en-US" smtClean="0"/>
-              <a:t>10/1/24</a:t>
+              <a:t>10/2/24</a:t>
             </a:fld>
             <a:endParaRPr lang="en-US"/>
           </a:p>
@@ -3463,42 +3463,66 @@
         </p:nvSpPr>
         <p:spPr/>
         <p:txBody>
+          <a:bodyPr>
+            <a:normAutofit fontScale="90000"/>
+          </a:bodyPr>
+          <a:lstStyle/>
+          <a:p>
+            <a:r>
+              <a:rPr lang="en-GB" dirty="0" err="1"/>
+              <a:t>Szkolenie</a:t>
+            </a:r>
+            <a:r>
+              <a:rPr lang="en-GB" dirty="0"/>
+              <a:t> </a:t>
+            </a:r>
+            <a:br>
+              <a:rPr lang="en-GB" dirty="0"/>
+            </a:br>
+            <a:br>
+              <a:rPr lang="en-GB" dirty="0"/>
+            </a:br>
+            <a:r>
+              <a:rPr lang="en-GB" dirty="0" err="1"/>
+              <a:t>Instrumentacja</a:t>
+            </a:r>
+            <a:r>
+              <a:rPr lang="en-GB" dirty="0"/>
+              <a:t> </a:t>
+            </a:r>
+            <a:br>
+              <a:rPr lang="en-GB" dirty="0"/>
+            </a:br>
+            <a:r>
+              <a:rPr lang="en-GB" dirty="0"/>
+              <a:t>OpenTelemetry</a:t>
+            </a:r>
+            <a:endParaRPr dirty="0"/>
+          </a:p>
+        </p:txBody>
+      </p:sp>
+      <p:sp>
+        <p:nvSpPr>
+          <p:cNvPr id="3" name="Subtitle 2"/>
+          <p:cNvSpPr>
+            <a:spLocks noGrp="1"/>
+          </p:cNvSpPr>
+          <p:nvPr>
+            <p:ph type="subTitle" idx="1"/>
+          </p:nvPr>
+        </p:nvSpPr>
+        <p:spPr>
+          <a:xfrm>
+            <a:off x="1371600" y="4940643"/>
+            <a:ext cx="6400800" cy="1752600"/>
+          </a:xfrm>
+        </p:spPr>
+        <p:txBody>
           <a:bodyPr/>
           <a:lstStyle/>
           <a:p>
             <a:r>
-              <a:rPr dirty="0" err="1"/>
-              <a:t>Szkolenie</a:t>
-            </a:r>
-            <a:r>
-              <a:rPr dirty="0"/>
-              <a:t> </a:t>
-            </a:r>
-            <a:r>
-              <a:rPr dirty="0" err="1"/>
-              <a:t>OpenTelemetry</a:t>
-            </a:r>
-            <a:endParaRPr dirty="0"/>
-          </a:p>
-        </p:txBody>
-      </p:sp>
-      <p:sp>
-        <p:nvSpPr>
-          <p:cNvPr id="3" name="Subtitle 2"/>
-          <p:cNvSpPr>
-            <a:spLocks noGrp="1"/>
-          </p:cNvSpPr>
-          <p:nvPr>
-            <p:ph type="subTitle" idx="1"/>
-          </p:nvPr>
-        </p:nvSpPr>
-        <p:spPr/>
-        <p:txBody>
-          <a:bodyPr/>
-          <a:lstStyle/>
-          <a:p>
-            <a:r>
-              <a:rPr lang="en-US"/>
+              <a:rPr lang="en-US" dirty="0"/>
               <a:t>Backends</a:t>
             </a:r>
             <a:endParaRPr dirty="0"/>
